--- a/BLM6114hw1.pptx
+++ b/BLM6114hw1.pptx
@@ -120,6 +120,11 @@
       </a:defRPr>
     </a:lvl9pPr>
   </p:defaultTextStyle>
+  <p:extLst>
+    <p:ext uri="{EFAFB233-063F-42B5-8137-9DF3F51BA10A}">
+      <p15:sldGuideLst xmlns:p15="http://schemas.microsoft.com/office/powerpoint/2012/main"/>
+    </p:ext>
+  </p:extLst>
 </p:presentation>
 </file>
 
@@ -538,7 +543,7 @@
           <a:p>
             <a:fld id="{AE20940B-9CF4-7A4E-A9CE-F1E1E6311ADA}" type="slidenum">
               <a:rPr lang="en-TR" smtClean="0"/>
-              <a:t>5</a:t>
+              <a:t>4</a:t>
             </a:fld>
             <a:endParaRPr lang="en-TR"/>
           </a:p>
@@ -547,7 +552,7 @@
     </p:spTree>
     <p:extLst>
       <p:ext uri="{BB962C8B-B14F-4D97-AF65-F5344CB8AC3E}">
-        <p14:creationId xmlns:p14="http://schemas.microsoft.com/office/powerpoint/2010/main" val="1984270791"/>
+        <p14:creationId xmlns:p14="http://schemas.microsoft.com/office/powerpoint/2010/main" val="1976707118"/>
       </p:ext>
     </p:extLst>
   </p:cSld>
@@ -622,7 +627,7 @@
           <a:p>
             <a:fld id="{AE20940B-9CF4-7A4E-A9CE-F1E1E6311ADA}" type="slidenum">
               <a:rPr lang="en-TR" smtClean="0"/>
-              <a:t>7</a:t>
+              <a:t>5</a:t>
             </a:fld>
             <a:endParaRPr lang="en-TR"/>
           </a:p>
@@ -631,7 +636,7 @@
     </p:spTree>
     <p:extLst>
       <p:ext uri="{BB962C8B-B14F-4D97-AF65-F5344CB8AC3E}">
-        <p14:creationId xmlns:p14="http://schemas.microsoft.com/office/powerpoint/2010/main" val="675422706"/>
+        <p14:creationId xmlns:p14="http://schemas.microsoft.com/office/powerpoint/2010/main" val="1984270791"/>
       </p:ext>
     </p:extLst>
   </p:cSld>
@@ -706,7 +711,7 @@
           <a:p>
             <a:fld id="{AE20940B-9CF4-7A4E-A9CE-F1E1E6311ADA}" type="slidenum">
               <a:rPr lang="en-TR" smtClean="0"/>
-              <a:t>9</a:t>
+              <a:t>7</a:t>
             </a:fld>
             <a:endParaRPr lang="en-TR"/>
           </a:p>
@@ -715,7 +720,7 @@
     </p:spTree>
     <p:extLst>
       <p:ext uri="{BB962C8B-B14F-4D97-AF65-F5344CB8AC3E}">
-        <p14:creationId xmlns:p14="http://schemas.microsoft.com/office/powerpoint/2010/main" val="1946331727"/>
+        <p14:creationId xmlns:p14="http://schemas.microsoft.com/office/powerpoint/2010/main" val="675422706"/>
       </p:ext>
     </p:extLst>
   </p:cSld>
@@ -790,7 +795,7 @@
           <a:p>
             <a:fld id="{AE20940B-9CF4-7A4E-A9CE-F1E1E6311ADA}" type="slidenum">
               <a:rPr lang="en-TR" smtClean="0"/>
-              <a:t>10</a:t>
+              <a:t>9</a:t>
             </a:fld>
             <a:endParaRPr lang="en-TR"/>
           </a:p>
@@ -799,7 +804,7 @@
     </p:spTree>
     <p:extLst>
       <p:ext uri="{BB962C8B-B14F-4D97-AF65-F5344CB8AC3E}">
-        <p14:creationId xmlns:p14="http://schemas.microsoft.com/office/powerpoint/2010/main" val="735387466"/>
+        <p14:creationId xmlns:p14="http://schemas.microsoft.com/office/powerpoint/2010/main" val="1946331727"/>
       </p:ext>
     </p:extLst>
   </p:cSld>
@@ -874,7 +879,7 @@
           <a:p>
             <a:fld id="{AE20940B-9CF4-7A4E-A9CE-F1E1E6311ADA}" type="slidenum">
               <a:rPr lang="en-TR" smtClean="0"/>
-              <a:t>11</a:t>
+              <a:t>10</a:t>
             </a:fld>
             <a:endParaRPr lang="en-TR"/>
           </a:p>
@@ -883,7 +888,7 @@
     </p:spTree>
     <p:extLst>
       <p:ext uri="{BB962C8B-B14F-4D97-AF65-F5344CB8AC3E}">
-        <p14:creationId xmlns:p14="http://schemas.microsoft.com/office/powerpoint/2010/main" val="2472427987"/>
+        <p14:creationId xmlns:p14="http://schemas.microsoft.com/office/powerpoint/2010/main" val="735387466"/>
       </p:ext>
     </p:extLst>
   </p:cSld>
@@ -937,47 +942,7 @@
           <a:bodyPr/>
           <a:lstStyle/>
           <a:p>
-            <a:r>
-              <a:rPr lang="en-US" dirty="0"/>
-              <a:t>S</a:t>
-            </a:r>
-            <a:r>
-              <a:rPr lang="en-TR" dirty="0"/>
-              <a:t>oldaki grafikte,</a:t>
-            </a:r>
-          </a:p>
-          <a:p>
-            <a:r>
-              <a:rPr lang="en-TR" dirty="0"/>
-              <a:t>Sağda gruplanmış kırmızı bir “cevap” kümesi var</a:t>
-            </a:r>
-          </a:p>
-          <a:p>
-            <a:r>
-              <a:rPr lang="en-TR" dirty="0"/>
-              <a:t>Bazı cevaplar çok benzer, tekrar eden yapıda olabilir. </a:t>
-            </a:r>
-          </a:p>
-          <a:p>
-            <a:r>
-              <a:rPr lang="en-TR" dirty="0"/>
-              <a:t>Ya da model bu cevapları ayırt edememiş olabilir.</a:t>
-            </a:r>
-          </a:p>
-          <a:p>
             <a:endParaRPr lang="en-TR" dirty="0"/>
-          </a:p>
-          <a:p>
-            <a:r>
-              <a:rPr lang="en-TR" dirty="0"/>
-              <a:t>Sağdaki grafikte</a:t>
-            </a:r>
-          </a:p>
-          <a:p>
-            <a:r>
-              <a:rPr lang="en-TR" dirty="0"/>
-              <a:t>Daha homojen bir dağılım var. Gruplanma az.</a:t>
-            </a:r>
           </a:p>
         </p:txBody>
       </p:sp>
@@ -998,7 +963,7 @@
           <a:p>
             <a:fld id="{AE20940B-9CF4-7A4E-A9CE-F1E1E6311ADA}" type="slidenum">
               <a:rPr lang="en-TR" smtClean="0"/>
-              <a:t>12</a:t>
+              <a:t>11</a:t>
             </a:fld>
             <a:endParaRPr lang="en-TR"/>
           </a:p>
@@ -1007,7 +972,7 @@
     </p:spTree>
     <p:extLst>
       <p:ext uri="{BB962C8B-B14F-4D97-AF65-F5344CB8AC3E}">
-        <p14:creationId xmlns:p14="http://schemas.microsoft.com/office/powerpoint/2010/main" val="1742158049"/>
+        <p14:creationId xmlns:p14="http://schemas.microsoft.com/office/powerpoint/2010/main" val="2472427987"/>
       </p:ext>
     </p:extLst>
   </p:cSld>
@@ -1073,6 +1038,130 @@
           <a:p>
             <a:r>
               <a:rPr lang="en-TR" dirty="0"/>
+              <a:t>Sağda gruplanmış kırmızı bir “cevap” kümesi var</a:t>
+            </a:r>
+          </a:p>
+          <a:p>
+            <a:r>
+              <a:rPr lang="en-TR" dirty="0"/>
+              <a:t>Bazı cevaplar çok benzer, tekrar eden yapıda olabilir. </a:t>
+            </a:r>
+          </a:p>
+          <a:p>
+            <a:r>
+              <a:rPr lang="en-TR" dirty="0"/>
+              <a:t>Ya da model bu cevapları ayırt edememiş olabilir.</a:t>
+            </a:r>
+          </a:p>
+          <a:p>
+            <a:endParaRPr lang="en-TR" dirty="0"/>
+          </a:p>
+          <a:p>
+            <a:r>
+              <a:rPr lang="en-TR" dirty="0"/>
+              <a:t>Sağdaki grafikte</a:t>
+            </a:r>
+          </a:p>
+          <a:p>
+            <a:r>
+              <a:rPr lang="en-TR" dirty="0"/>
+              <a:t>Daha homojen bir dağılım var. Gruplanma az.</a:t>
+            </a:r>
+          </a:p>
+        </p:txBody>
+      </p:sp>
+      <p:sp>
+        <p:nvSpPr>
+          <p:cNvPr id="4" name="Slide Number Placeholder 3"/>
+          <p:cNvSpPr>
+            <a:spLocks noGrp="1"/>
+          </p:cNvSpPr>
+          <p:nvPr>
+            <p:ph type="sldNum" sz="quarter" idx="5"/>
+          </p:nvPr>
+        </p:nvSpPr>
+        <p:spPr/>
+        <p:txBody>
+          <a:bodyPr/>
+          <a:lstStyle/>
+          <a:p>
+            <a:fld id="{AE20940B-9CF4-7A4E-A9CE-F1E1E6311ADA}" type="slidenum">
+              <a:rPr lang="en-TR" smtClean="0"/>
+              <a:t>12</a:t>
+            </a:fld>
+            <a:endParaRPr lang="en-TR"/>
+          </a:p>
+        </p:txBody>
+      </p:sp>
+    </p:spTree>
+    <p:extLst>
+      <p:ext uri="{BB962C8B-B14F-4D97-AF65-F5344CB8AC3E}">
+        <p14:creationId xmlns:p14="http://schemas.microsoft.com/office/powerpoint/2010/main" val="1742158049"/>
+      </p:ext>
+    </p:extLst>
+  </p:cSld>
+  <p:clrMapOvr>
+    <a:masterClrMapping/>
+  </p:clrMapOvr>
+</p:notes>
+</file>
+
+<file path=ppt/notesSlides/notesSlide8.xml><?xml version="1.0" encoding="utf-8"?>
+<p:notes xmlns:a="http://schemas.openxmlformats.org/drawingml/2006/main" xmlns:r="http://schemas.openxmlformats.org/officeDocument/2006/relationships" xmlns:p="http://schemas.openxmlformats.org/presentationml/2006/main">
+  <p:cSld>
+    <p:spTree>
+      <p:nvGrpSpPr>
+        <p:cNvPr id="1" name=""/>
+        <p:cNvGrpSpPr/>
+        <p:nvPr/>
+      </p:nvGrpSpPr>
+      <p:grpSpPr>
+        <a:xfrm>
+          <a:off x="0" y="0"/>
+          <a:ext cx="0" cy="0"/>
+          <a:chOff x="0" y="0"/>
+          <a:chExt cx="0" cy="0"/>
+        </a:xfrm>
+      </p:grpSpPr>
+      <p:sp>
+        <p:nvSpPr>
+          <p:cNvPr id="2" name="Slide Image Placeholder 1"/>
+          <p:cNvSpPr>
+            <a:spLocks noGrp="1" noRot="1" noChangeAspect="1"/>
+          </p:cNvSpPr>
+          <p:nvPr>
+            <p:ph type="sldImg"/>
+          </p:nvPr>
+        </p:nvSpPr>
+        <p:spPr/>
+      </p:sp>
+      <p:sp>
+        <p:nvSpPr>
+          <p:cNvPr id="3" name="Notes Placeholder 2"/>
+          <p:cNvSpPr>
+            <a:spLocks noGrp="1"/>
+          </p:cNvSpPr>
+          <p:nvPr>
+            <p:ph type="body" idx="1"/>
+          </p:nvPr>
+        </p:nvSpPr>
+        <p:spPr/>
+        <p:txBody>
+          <a:bodyPr/>
+          <a:lstStyle/>
+          <a:p>
+            <a:r>
+              <a:rPr lang="en-US" dirty="0"/>
+              <a:t>S</a:t>
+            </a:r>
+            <a:r>
+              <a:rPr lang="en-TR" dirty="0"/>
+              <a:t>oldaki grafikte,</a:t>
+            </a:r>
+          </a:p>
+          <a:p>
+            <a:r>
+              <a:rPr lang="en-TR" dirty="0"/>
               <a:t>Solda gruplanmış kırmızı bir “cevap” kümesi var</a:t>
             </a:r>
           </a:p>
@@ -1151,7 +1240,7 @@
 </p:notes>
 </file>
 
-<file path=ppt/notesSlides/notesSlide8.xml><?xml version="1.0" encoding="utf-8"?>
+<file path=ppt/notesSlides/notesSlide9.xml><?xml version="1.0" encoding="utf-8"?>
 <p:notes xmlns:a="http://schemas.openxmlformats.org/drawingml/2006/main" xmlns:r="http://schemas.openxmlformats.org/officeDocument/2006/relationships" xmlns:p="http://schemas.openxmlformats.org/presentationml/2006/main">
   <p:cSld>
     <p:spTree>
@@ -4653,6 +4742,41 @@
               <a:effectLst/>
               <a:latin typeface="Times New Roman" panose="02020603050405020304" pitchFamily="18" charset="0"/>
             </a:endParaRPr>
+          </a:p>
+        </p:txBody>
+      </p:sp>
+      <p:sp>
+        <p:nvSpPr>
+          <p:cNvPr id="4" name="TextBox 3">
+            <a:extLst>
+              <a:ext uri="{FF2B5EF4-FFF2-40B4-BE49-F238E27FC236}">
+                <a16:creationId xmlns:a16="http://schemas.microsoft.com/office/drawing/2014/main" id="{25E6DD5B-3A95-4FB5-3DB2-4FF315E799AE}"/>
+              </a:ext>
+            </a:extLst>
+          </p:cNvPr>
+          <p:cNvSpPr txBox="1"/>
+          <p:nvPr/>
+        </p:nvSpPr>
+        <p:spPr>
+          <a:xfrm>
+            <a:off x="5301049" y="4955059"/>
+            <a:ext cx="1230850" cy="369332"/>
+          </a:xfrm>
+          <a:prstGeom prst="rect">
+            <a:avLst/>
+          </a:prstGeom>
+          <a:noFill/>
+        </p:spPr>
+        <p:txBody>
+          <a:bodyPr wrap="none" rtlCol="0">
+            <a:spAutoFit/>
+          </a:bodyPr>
+          <a:lstStyle/>
+          <a:p>
+            <a:r>
+              <a:rPr lang="en-TR" dirty="0"/>
+              <a:t>Eyüp Dalan</a:t>
+            </a:r>
           </a:p>
         </p:txBody>
       </p:sp>
